--- a/GIT.pptx
+++ b/GIT.pptx
@@ -25801,7 +25801,7 @@
         </p:nvSpPr>
         <p:spPr bwMode="auto">
           <a:xfrm>
-            <a:off x="486586" y="1462363"/>
+            <a:off x="-412636" y="1723620"/>
             <a:ext cx="10350698" cy="4500016"/>
           </a:xfrm>
           <a:prstGeom prst="rect">
@@ -26239,7 +26239,19 @@
             </a:pPr>
             <a:r>
               <a:rPr lang="en-US" dirty="0" smtClean="0"/>
-              <a:t>Git installation.</a:t>
+              <a:t>Git </a:t>
+            </a:r>
+            <a:r>
+              <a:rPr lang="en-US" smtClean="0"/>
+              <a:t>installation</a:t>
+            </a:r>
+            <a:r>
+              <a:rPr lang="en-US" smtClean="0"/>
+              <a:t>. </a:t>
+            </a:r>
+            <a:r>
+              <a:rPr lang="en-US" dirty="0" smtClean="0"/>
+              <a:t>Next Session?</a:t>
             </a:r>
           </a:p>
           <a:p>
@@ -26249,50 +26261,11 @@
             </a:pPr>
             <a:r>
               <a:rPr lang="en-US" dirty="0" smtClean="0"/>
-              <a:t>Validate installation.</a:t>
-            </a:r>
-            <a:endParaRPr lang="en-US" dirty="0"/>
-          </a:p>
-          <a:p>
-            <a:pPr>
-              <a:buFont typeface="Wingdings" panose="05000000000000000000" pitchFamily="2" charset="2"/>
-              <a:buChar char="v"/>
-            </a:pPr>
+              <a:t>How </a:t>
+            </a:r>
             <a:r>
               <a:rPr lang="en-US" dirty="0" smtClean="0"/>
-              <a:t>Working locally</a:t>
-            </a:r>
-          </a:p>
-          <a:p>
-            <a:pPr>
-              <a:buFont typeface="Wingdings" panose="05000000000000000000" pitchFamily="2" charset="2"/>
-              <a:buChar char="v"/>
-            </a:pPr>
-            <a:r>
-              <a:rPr lang="en-US" dirty="0" smtClean="0"/>
-              <a:t>What you have to do?</a:t>
-            </a:r>
-            <a:endParaRPr lang="en-US" dirty="0"/>
-          </a:p>
-          <a:p>
-            <a:pPr>
-              <a:buFont typeface="Wingdings" panose="05000000000000000000" pitchFamily="2" charset="2"/>
-              <a:buChar char="v"/>
-            </a:pPr>
-            <a:r>
-              <a:rPr lang="en-US" dirty="0" smtClean="0"/>
-              <a:t>Next Session?</a:t>
-            </a:r>
-            <a:endParaRPr lang="en-US" dirty="0"/>
-          </a:p>
-          <a:p>
-            <a:pPr>
-              <a:buFont typeface="Wingdings" panose="05000000000000000000" pitchFamily="2" charset="2"/>
-              <a:buChar char="v"/>
-            </a:pPr>
-            <a:r>
-              <a:rPr lang="en-US" dirty="0" smtClean="0"/>
-              <a:t>How to access Lynda site?</a:t>
+              <a:t>to access Lynda site?</a:t>
             </a:r>
             <a:endParaRPr lang="en-US" dirty="0">
               <a:effectLst/>
@@ -30460,11 +30433,7 @@
             </a:r>
             <a:r>
               <a:rPr lang="en-US" dirty="0" smtClean="0"/>
-              <a:t>”</a:t>
-            </a:r>
-            <a:r>
-              <a:rPr lang="en-US" dirty="0" smtClean="0"/>
-              <a:t>   </a:t>
+              <a:t>”   </a:t>
             </a:r>
             <a:r>
               <a:rPr lang="en-US" dirty="0" smtClean="0">
